--- a/Homework/TermProject_MAE5803/Coon_MAE5803_TermProject_Presentation.pptx
+++ b/Homework/TermProject_MAE5803/Coon_MAE5803_TermProject_Presentation.pptx
@@ -118,6 +118,11 @@
       </a:defRPr>
     </a:lvl9pPr>
   </p:defaultTextStyle>
+  <p:extLst>
+    <p:ext uri="{EFAFB233-063F-42B5-8137-9DF3F51BA10A}">
+      <p15:sldGuideLst xmlns:p15="http://schemas.microsoft.com/office/powerpoint/2012/main"/>
+    </p:ext>
+  </p:extLst>
 </p:presentation>
 </file>
 
@@ -252,7 +257,7 @@
           <a:p>
             <a:fld id="{8FC00AEE-47FC-42EE-B4DA-677DEA4BE54E}" type="datetimeFigureOut">
               <a:rPr lang="en-US" smtClean="0"/>
-              <a:t>4/18/2017</a:t>
+              <a:t>4/20/2017</a:t>
             </a:fld>
             <a:endParaRPr lang="en-US"/>
           </a:p>
@@ -422,7 +427,7 @@
           <a:p>
             <a:fld id="{8FC00AEE-47FC-42EE-B4DA-677DEA4BE54E}" type="datetimeFigureOut">
               <a:rPr lang="en-US" smtClean="0"/>
-              <a:t>4/18/2017</a:t>
+              <a:t>4/20/2017</a:t>
             </a:fld>
             <a:endParaRPr lang="en-US"/>
           </a:p>
@@ -602,7 +607,7 @@
           <a:p>
             <a:fld id="{8FC00AEE-47FC-42EE-B4DA-677DEA4BE54E}" type="datetimeFigureOut">
               <a:rPr lang="en-US" smtClean="0"/>
-              <a:t>4/18/2017</a:t>
+              <a:t>4/20/2017</a:t>
             </a:fld>
             <a:endParaRPr lang="en-US"/>
           </a:p>
@@ -772,7 +777,7 @@
           <a:p>
             <a:fld id="{8FC00AEE-47FC-42EE-B4DA-677DEA4BE54E}" type="datetimeFigureOut">
               <a:rPr lang="en-US" smtClean="0"/>
-              <a:t>4/18/2017</a:t>
+              <a:t>4/20/2017</a:t>
             </a:fld>
             <a:endParaRPr lang="en-US"/>
           </a:p>
@@ -1018,7 +1023,7 @@
           <a:p>
             <a:fld id="{8FC00AEE-47FC-42EE-B4DA-677DEA4BE54E}" type="datetimeFigureOut">
               <a:rPr lang="en-US" smtClean="0"/>
-              <a:t>4/18/2017</a:t>
+              <a:t>4/20/2017</a:t>
             </a:fld>
             <a:endParaRPr lang="en-US"/>
           </a:p>
@@ -1250,7 +1255,7 @@
           <a:p>
             <a:fld id="{8FC00AEE-47FC-42EE-B4DA-677DEA4BE54E}" type="datetimeFigureOut">
               <a:rPr lang="en-US" smtClean="0"/>
-              <a:t>4/18/2017</a:t>
+              <a:t>4/20/2017</a:t>
             </a:fld>
             <a:endParaRPr lang="en-US"/>
           </a:p>
@@ -1617,7 +1622,7 @@
           <a:p>
             <a:fld id="{8FC00AEE-47FC-42EE-B4DA-677DEA4BE54E}" type="datetimeFigureOut">
               <a:rPr lang="en-US" smtClean="0"/>
-              <a:t>4/18/2017</a:t>
+              <a:t>4/20/2017</a:t>
             </a:fld>
             <a:endParaRPr lang="en-US"/>
           </a:p>
@@ -1735,7 +1740,7 @@
           <a:p>
             <a:fld id="{8FC00AEE-47FC-42EE-B4DA-677DEA4BE54E}" type="datetimeFigureOut">
               <a:rPr lang="en-US" smtClean="0"/>
-              <a:t>4/18/2017</a:t>
+              <a:t>4/20/2017</a:t>
             </a:fld>
             <a:endParaRPr lang="en-US"/>
           </a:p>
@@ -1830,7 +1835,7 @@
           <a:p>
             <a:fld id="{8FC00AEE-47FC-42EE-B4DA-677DEA4BE54E}" type="datetimeFigureOut">
               <a:rPr lang="en-US" smtClean="0"/>
-              <a:t>4/18/2017</a:t>
+              <a:t>4/20/2017</a:t>
             </a:fld>
             <a:endParaRPr lang="en-US"/>
           </a:p>
@@ -2107,7 +2112,7 @@
           <a:p>
             <a:fld id="{8FC00AEE-47FC-42EE-B4DA-677DEA4BE54E}" type="datetimeFigureOut">
               <a:rPr lang="en-US" smtClean="0"/>
-              <a:t>4/18/2017</a:t>
+              <a:t>4/20/2017</a:t>
             </a:fld>
             <a:endParaRPr lang="en-US"/>
           </a:p>
@@ -2360,7 +2365,7 @@
           <a:p>
             <a:fld id="{8FC00AEE-47FC-42EE-B4DA-677DEA4BE54E}" type="datetimeFigureOut">
               <a:rPr lang="en-US" smtClean="0"/>
-              <a:t>4/18/2017</a:t>
+              <a:t>4/20/2017</a:t>
             </a:fld>
             <a:endParaRPr lang="en-US"/>
           </a:p>
@@ -2573,7 +2578,7 @@
           <a:p>
             <a:fld id="{8FC00AEE-47FC-42EE-B4DA-677DEA4BE54E}" type="datetimeFigureOut">
               <a:rPr lang="en-US" smtClean="0"/>
-              <a:t>4/18/2017</a:t>
+              <a:t>4/20/2017</a:t>
             </a:fld>
             <a:endParaRPr lang="en-US"/>
           </a:p>
@@ -3089,8 +3094,8 @@
           </a:p>
         </p:txBody>
       </p:sp>
-      <mc:AlternateContent xmlns:mc="http://schemas.openxmlformats.org/markup-compatibility/2006">
-        <mc:Choice xmlns:a14="http://schemas.microsoft.com/office/drawing/2010/main" Requires="a14">
+      <mc:AlternateContent xmlns:mc="http://schemas.openxmlformats.org/markup-compatibility/2006" xmlns:a14="http://schemas.microsoft.com/office/drawing/2010/main">
+        <mc:Choice Requires="a14">
           <p:sp>
             <p:nvSpPr>
               <p:cNvPr id="4" name="TextBox 3"/>
@@ -3113,6 +3118,7 @@
               </a:bodyPr>
               <a:lstStyle/>
               <a:p>
+                <a:pPr/>
                 <a14:m>
                   <m:oMathPara xmlns:m="http://schemas.openxmlformats.org/officeDocument/2006/math">
                     <m:oMathParaPr>
@@ -3182,13 +3188,7 @@
                             <a:rPr lang="en-US" sz="3200" b="0" i="1" smtClean="0">
                               <a:latin typeface="Cambria Math" panose="02040503050406030204" pitchFamily="18" charset="0"/>
                             </a:rPr>
-                            <m:t>1</m:t>
-                          </m:r>
-                          <m:r>
-                            <a:rPr lang="en-US" sz="3200" b="0" i="1" smtClean="0">
-                              <a:latin typeface="Cambria Math" panose="02040503050406030204" pitchFamily="18" charset="0"/>
-                            </a:rPr>
-                            <m:t>+</m:t>
+                            <m:t>1+</m:t>
                           </m:r>
                           <m:r>
                             <m:rPr>
@@ -3301,7 +3301,7 @@
             </p:txBody>
           </p:sp>
         </mc:Choice>
-        <mc:Fallback>
+        <mc:Fallback xmlns="">
           <p:sp>
             <p:nvSpPr>
               <p:cNvPr id="4" name="TextBox 3"/>
@@ -3453,8 +3453,8 @@
           </a:p>
         </p:txBody>
       </p:sp>
-      <mc:AlternateContent xmlns:mc="http://schemas.openxmlformats.org/markup-compatibility/2006">
-        <mc:Choice xmlns:a14="http://schemas.microsoft.com/office/drawing/2010/main" Requires="a14">
+      <mc:AlternateContent xmlns:mc="http://schemas.openxmlformats.org/markup-compatibility/2006" xmlns:a14="http://schemas.microsoft.com/office/drawing/2010/main">
+        <mc:Choice Requires="a14">
           <p:sp>
             <p:nvSpPr>
               <p:cNvPr id="3" name="Content Placeholder 2"/>
@@ -3615,7 +3615,7 @@
             </p:txBody>
           </p:sp>
         </mc:Choice>
-        <mc:Fallback>
+        <mc:Fallback xmlns="">
           <p:sp>
             <p:nvSpPr>
               <p:cNvPr id="3" name="Content Placeholder 2"/>
@@ -3804,8 +3804,8 @@
           </a:p>
         </p:txBody>
       </p:sp>
-      <mc:AlternateContent xmlns:mc="http://schemas.openxmlformats.org/markup-compatibility/2006">
-        <mc:Choice xmlns:a14="http://schemas.microsoft.com/office/drawing/2010/main" Requires="a14">
+      <mc:AlternateContent xmlns:mc="http://schemas.openxmlformats.org/markup-compatibility/2006" xmlns:a14="http://schemas.microsoft.com/office/drawing/2010/main">
+        <mc:Choice Requires="a14">
           <p:sp>
             <p:nvSpPr>
               <p:cNvPr id="8" name="Content Placeholder 2"/>
@@ -4217,7 +4217,7 @@
             </p:txBody>
           </p:sp>
         </mc:Choice>
-        <mc:Fallback>
+        <mc:Fallback xmlns="">
           <p:sp>
             <p:nvSpPr>
               <p:cNvPr id="8" name="Content Placeholder 2"/>
@@ -4278,7 +4278,7 @@
         </p:blipFill>
         <p:spPr>
           <a:xfrm>
-            <a:off x="0" y="2446037"/>
+            <a:off x="-1" y="2343400"/>
             <a:ext cx="5333333" cy="4000000"/>
           </a:xfrm>
           <a:prstGeom prst="rect">
@@ -4378,8 +4378,8 @@
           </a:p>
         </p:txBody>
       </p:sp>
-      <mc:AlternateContent xmlns:mc="http://schemas.openxmlformats.org/markup-compatibility/2006">
-        <mc:Choice xmlns:a14="http://schemas.microsoft.com/office/drawing/2010/main" Requires="a14">
+      <mc:AlternateContent xmlns:mc="http://schemas.openxmlformats.org/markup-compatibility/2006" xmlns:a14="http://schemas.microsoft.com/office/drawing/2010/main">
+        <mc:Choice Requires="a14">
           <p:sp>
             <p:nvSpPr>
               <p:cNvPr id="3" name="Content Placeholder 2"/>
@@ -4449,7 +4449,7 @@
             </p:txBody>
           </p:sp>
         </mc:Choice>
-        <mc:Fallback>
+        <mc:Fallback xmlns="">
           <p:sp>
             <p:nvSpPr>
               <p:cNvPr id="3" name="Content Placeholder 2"/>
@@ -4487,8 +4487,8 @@
           </p:sp>
         </mc:Fallback>
       </mc:AlternateContent>
-      <mc:AlternateContent xmlns:mc="http://schemas.openxmlformats.org/markup-compatibility/2006">
-        <mc:Choice xmlns:a14="http://schemas.microsoft.com/office/drawing/2010/main" Requires="a14">
+      <mc:AlternateContent xmlns:mc="http://schemas.openxmlformats.org/markup-compatibility/2006" xmlns:a14="http://schemas.microsoft.com/office/drawing/2010/main">
+        <mc:Choice Requires="a14">
           <p:sp>
             <p:nvSpPr>
               <p:cNvPr id="4" name="TextBox 3"/>
@@ -4511,6 +4511,7 @@
               </a:bodyPr>
               <a:lstStyle/>
               <a:p>
+                <a:pPr/>
                 <a14:m>
                   <m:oMathPara xmlns:m="http://schemas.openxmlformats.org/officeDocument/2006/math">
                     <m:oMathParaPr>
@@ -4665,6 +4666,7 @@
                 </a:endParaRPr>
               </a:p>
               <a:p>
+                <a:pPr/>
                 <a14:m>
                   <m:oMathPara xmlns:m="http://schemas.openxmlformats.org/officeDocument/2006/math">
                     <m:oMathParaPr>
@@ -4945,14 +4947,7 @@
                         <a:latin typeface="Cambria Math" panose="02040503050406030204" pitchFamily="18" charset="0"/>
                         <a:ea typeface="Cambria Math" panose="02040503050406030204" pitchFamily="18" charset="0"/>
                       </a:rPr>
-                      <m:t>&lt;</m:t>
-                    </m:r>
-                    <m:r>
-                      <a:rPr lang="en-US" sz="2400" b="0" i="1" smtClean="0">
-                        <a:latin typeface="Cambria Math" panose="02040503050406030204" pitchFamily="18" charset="0"/>
-                        <a:ea typeface="Cambria Math" panose="02040503050406030204" pitchFamily="18" charset="0"/>
-                      </a:rPr>
-                      <m:t>0</m:t>
+                      <m:t>&lt;0</m:t>
                     </m:r>
                   </m:oMath>
                 </a14:m>
@@ -4968,6 +4963,7 @@
                 </a:endParaRPr>
               </a:p>
               <a:p>
+                <a:pPr/>
                 <a14:m>
                   <m:oMathPara xmlns:m="http://schemas.openxmlformats.org/officeDocument/2006/math">
                     <m:oMathParaPr>
@@ -5072,6 +5068,7 @@
                 </a:endParaRPr>
               </a:p>
               <a:p>
+                <a:pPr/>
                 <a14:m>
                   <m:oMathPara xmlns:m="http://schemas.openxmlformats.org/officeDocument/2006/math">
                     <m:oMathParaPr>
@@ -5107,14 +5104,7 @@
                               <a:latin typeface="Cambria Math" panose="02040503050406030204" pitchFamily="18" charset="0"/>
                               <a:ea typeface="Cambria Math" panose="02040503050406030204" pitchFamily="18" charset="0"/>
                             </a:rPr>
-                            <m:t>1</m:t>
-                          </m:r>
-                          <m:r>
-                            <a:rPr lang="en-US" sz="2400" b="0" i="1" smtClean="0">
-                              <a:latin typeface="Cambria Math" panose="02040503050406030204" pitchFamily="18" charset="0"/>
-                              <a:ea typeface="Cambria Math" panose="02040503050406030204" pitchFamily="18" charset="0"/>
-                            </a:rPr>
-                            <m:t>−</m:t>
+                            <m:t>1−</m:t>
                           </m:r>
                           <m:r>
                             <a:rPr lang="en-US" sz="2400" b="0" i="1" smtClean="0">
@@ -5218,7 +5208,7 @@
             </p:txBody>
           </p:sp>
         </mc:Choice>
-        <mc:Fallback>
+        <mc:Fallback xmlns="">
           <p:sp>
             <p:nvSpPr>
               <p:cNvPr id="4" name="TextBox 3"/>
@@ -5257,8 +5247,8 @@
           </p:sp>
         </mc:Fallback>
       </mc:AlternateContent>
-      <mc:AlternateContent xmlns:mc="http://schemas.openxmlformats.org/markup-compatibility/2006">
-        <mc:Choice xmlns:a14="http://schemas.microsoft.com/office/drawing/2010/main" Requires="a14">
+      <mc:AlternateContent xmlns:mc="http://schemas.openxmlformats.org/markup-compatibility/2006" xmlns:a14="http://schemas.microsoft.com/office/drawing/2010/main">
+        <mc:Choice Requires="a14">
           <p:sp>
             <p:nvSpPr>
               <p:cNvPr id="5" name="TextBox 4"/>
@@ -5281,6 +5271,7 @@
               </a:bodyPr>
               <a:lstStyle/>
               <a:p>
+                <a:pPr/>
                 <a14:m>
                   <m:oMathPara xmlns:m="http://schemas.openxmlformats.org/officeDocument/2006/math">
                     <m:oMathParaPr>
@@ -5324,19 +5315,7 @@
                         <a:rPr lang="en-US" b="0" i="1" smtClean="0">
                           <a:latin typeface="Cambria Math" panose="02040503050406030204" pitchFamily="18" charset="0"/>
                         </a:rPr>
-                        <m:t>=</m:t>
-                      </m:r>
-                      <m:r>
-                        <a:rPr lang="en-US" b="0" i="1" smtClean="0">
-                          <a:latin typeface="Cambria Math" panose="02040503050406030204" pitchFamily="18" charset="0"/>
-                        </a:rPr>
-                        <m:t>1</m:t>
-                      </m:r>
-                      <m:r>
-                        <a:rPr lang="en-US" b="0" i="1" smtClean="0">
-                          <a:latin typeface="Cambria Math" panose="02040503050406030204" pitchFamily="18" charset="0"/>
-                        </a:rPr>
-                        <m:t>−</m:t>
+                        <m:t>=1−</m:t>
                       </m:r>
                       <m:r>
                         <a:rPr lang="en-US" b="0" i="1" smtClean="0">
@@ -5352,7 +5331,7 @@
             </p:txBody>
           </p:sp>
         </mc:Choice>
-        <mc:Fallback>
+        <mc:Fallback xmlns="">
           <p:sp>
             <p:nvSpPr>
               <p:cNvPr id="5" name="TextBox 4"/>
@@ -5391,8 +5370,8 @@
           </p:sp>
         </mc:Fallback>
       </mc:AlternateContent>
-      <mc:AlternateContent xmlns:mc="http://schemas.openxmlformats.org/markup-compatibility/2006">
-        <mc:Choice xmlns:a14="http://schemas.microsoft.com/office/drawing/2010/main" Requires="a14">
+      <mc:AlternateContent xmlns:mc="http://schemas.openxmlformats.org/markup-compatibility/2006" xmlns:a14="http://schemas.microsoft.com/office/drawing/2010/main">
+        <mc:Choice Requires="a14">
           <p:sp>
             <p:nvSpPr>
               <p:cNvPr id="7" name="Rectangle 6"/>
@@ -5417,6 +5396,7 @@
               </a:bodyPr>
               <a:lstStyle/>
               <a:p>
+                <a:pPr/>
                 <a14:m>
                   <m:oMathPara xmlns:m="http://schemas.openxmlformats.org/officeDocument/2006/math">
                     <m:oMathParaPr>
@@ -5435,21 +5415,7 @@
                           <a:latin typeface="Cambria Math" panose="02040503050406030204" pitchFamily="18" charset="0"/>
                           <a:ea typeface="Cambria Math" panose="02040503050406030204" pitchFamily="18" charset="0"/>
                         </a:rPr>
-                        <m:t>&gt;</m:t>
-                      </m:r>
-                      <m:r>
-                        <a:rPr lang="en-US" sz="2800" b="0" i="1" smtClean="0">
-                          <a:latin typeface="Cambria Math" panose="02040503050406030204" pitchFamily="18" charset="0"/>
-                          <a:ea typeface="Cambria Math" panose="02040503050406030204" pitchFamily="18" charset="0"/>
-                        </a:rPr>
-                        <m:t>1</m:t>
-                      </m:r>
-                      <m:r>
-                        <a:rPr lang="en-US" sz="2800" b="0" i="1" smtClean="0">
-                          <a:latin typeface="Cambria Math" panose="02040503050406030204" pitchFamily="18" charset="0"/>
-                          <a:ea typeface="Cambria Math" panose="02040503050406030204" pitchFamily="18" charset="0"/>
-                        </a:rPr>
-                        <m:t>−</m:t>
+                        <m:t>&gt;1−</m:t>
                       </m:r>
                       <m:f>
                         <m:fPr>
@@ -5549,7 +5515,7 @@
             </p:txBody>
           </p:sp>
         </mc:Choice>
-        <mc:Fallback>
+        <mc:Fallback xmlns="">
           <p:sp>
             <p:nvSpPr>
               <p:cNvPr id="7" name="Rectangle 6"/>
@@ -5678,8 +5644,8 @@
           </a:p>
         </p:txBody>
       </p:sp>
-      <mc:AlternateContent xmlns:mc="http://schemas.openxmlformats.org/markup-compatibility/2006">
-        <mc:Choice xmlns:a14="http://schemas.microsoft.com/office/drawing/2010/main" Requires="a14">
+      <mc:AlternateContent xmlns:mc="http://schemas.openxmlformats.org/markup-compatibility/2006" xmlns:a14="http://schemas.microsoft.com/office/drawing/2010/main">
+        <mc:Choice Requires="a14">
           <p:sp>
             <p:nvSpPr>
               <p:cNvPr id="4" name="TextBox 3"/>
@@ -5702,6 +5668,7 @@
               </a:bodyPr>
               <a:lstStyle/>
               <a:p>
+                <a:pPr/>
                 <a14:m>
                   <m:oMathPara xmlns:m="http://schemas.openxmlformats.org/officeDocument/2006/math">
                     <m:oMathParaPr>
@@ -5759,7 +5726,7 @@
             </p:txBody>
           </p:sp>
         </mc:Choice>
-        <mc:Fallback>
+        <mc:Fallback xmlns="">
           <p:sp>
             <p:nvSpPr>
               <p:cNvPr id="4" name="TextBox 3"/>
@@ -5798,8 +5765,8 @@
           </p:sp>
         </mc:Fallback>
       </mc:AlternateContent>
-      <mc:AlternateContent xmlns:mc="http://schemas.openxmlformats.org/markup-compatibility/2006">
-        <mc:Choice xmlns:a14="http://schemas.microsoft.com/office/drawing/2010/main" Requires="a14">
+      <mc:AlternateContent xmlns:mc="http://schemas.openxmlformats.org/markup-compatibility/2006" xmlns:a14="http://schemas.microsoft.com/office/drawing/2010/main">
+        <mc:Choice Requires="a14">
           <p:sp>
             <p:nvSpPr>
               <p:cNvPr id="5" name="TextBox 4"/>
@@ -5822,6 +5789,7 @@
               </a:bodyPr>
               <a:lstStyle/>
               <a:p>
+                <a:pPr/>
                 <a14:m>
                   <m:oMathPara xmlns:m="http://schemas.openxmlformats.org/officeDocument/2006/math">
                     <m:oMathParaPr>
@@ -5979,14 +5947,7 @@
                                     <a:latin typeface="Cambria Math" panose="02040503050406030204" pitchFamily="18" charset="0"/>
                                     <a:ea typeface="Cambria Math" panose="02040503050406030204" pitchFamily="18" charset="0"/>
                                   </a:rPr>
-                                  <m:t>𝑔</m:t>
-                                </m:r>
-                                <m:r>
-                                  <a:rPr lang="en-US" sz="3200" b="0" i="1" smtClean="0">
-                                    <a:latin typeface="Cambria Math" panose="02040503050406030204" pitchFamily="18" charset="0"/>
-                                    <a:ea typeface="Cambria Math" panose="02040503050406030204" pitchFamily="18" charset="0"/>
-                                  </a:rPr>
-                                  <m:t>𝐻</m:t>
+                                  <m:t>𝑔𝐻</m:t>
                                 </m:r>
                                 <m:r>
                                   <a:rPr lang="en-US" sz="3200" b="0" i="1" smtClean="0">
@@ -6022,7 +5983,7 @@
             </p:txBody>
           </p:sp>
         </mc:Choice>
-        <mc:Fallback>
+        <mc:Fallback xmlns="">
           <p:sp>
             <p:nvSpPr>
               <p:cNvPr id="5" name="TextBox 4"/>
@@ -6319,11 +6280,11 @@
   <p:clrMapOvr>
     <a:masterClrMapping/>
   </p:clrMapOvr>
-  <mc:AlternateContent xmlns:mc="http://schemas.openxmlformats.org/markup-compatibility/2006">
-    <mc:Choice xmlns:p14="http://schemas.microsoft.com/office/powerpoint/2010/main" Requires="p14">
+  <mc:AlternateContent xmlns:mc="http://schemas.openxmlformats.org/markup-compatibility/2006" xmlns:p14="http://schemas.microsoft.com/office/powerpoint/2010/main">
+    <mc:Choice Requires="p14">
       <p:transition spd="slow" p14:dur="2000"/>
     </mc:Choice>
-    <mc:Fallback>
+    <mc:Fallback xmlns="">
       <p:transition spd="slow"/>
     </mc:Fallback>
   </mc:AlternateContent>
@@ -6649,8 +6610,8 @@
           </a:p>
         </p:txBody>
       </p:sp>
-      <mc:AlternateContent xmlns:mc="http://schemas.openxmlformats.org/markup-compatibility/2006">
-        <mc:Choice xmlns:a14="http://schemas.microsoft.com/office/drawing/2010/main" Requires="a14">
+      <mc:AlternateContent xmlns:mc="http://schemas.openxmlformats.org/markup-compatibility/2006" xmlns:a14="http://schemas.microsoft.com/office/drawing/2010/main">
+        <mc:Choice Requires="a14">
           <p:sp>
             <p:nvSpPr>
               <p:cNvPr id="5" name="TextBox 4"/>
@@ -6673,6 +6634,7 @@
               </a:bodyPr>
               <a:lstStyle/>
               <a:p>
+                <a:pPr/>
                 <a14:m>
                   <m:oMathPara xmlns:m="http://schemas.openxmlformats.org/officeDocument/2006/math">
                     <m:oMathParaPr>
@@ -6730,7 +6692,7 @@
             </p:txBody>
           </p:sp>
         </mc:Choice>
-        <mc:Fallback>
+        <mc:Fallback xmlns="">
           <p:sp>
             <p:nvSpPr>
               <p:cNvPr id="5" name="TextBox 4"/>
@@ -6780,7 +6742,7 @@
             <p:spPr>
               <a:xfrm>
                 <a:off x="718458" y="3856656"/>
-                <a:ext cx="2947537" cy="492443"/>
+                <a:ext cx="3497752" cy="492443"/>
               </a:xfrm>
               <a:prstGeom prst="rect">
                 <a:avLst/>
@@ -6793,6 +6755,7 @@
               </a:bodyPr>
               <a:lstStyle/>
               <a:p>
+                <a:pPr/>
                 <a14:m>
                   <m:oMathPara xmlns:m="http://schemas.openxmlformats.org/officeDocument/2006/math">
                     <m:oMathParaPr>
@@ -6850,7 +6813,21 @@
                           <a:latin typeface="Cambria Math" panose="02040503050406030204" pitchFamily="18" charset="0"/>
                           <a:ea typeface="Cambria Math" panose="02040503050406030204" pitchFamily="18" charset="0"/>
                         </a:rPr>
-                        <m:t> −</m:t>
+                        <m:t>(</m:t>
+                      </m:r>
+                      <m:r>
+                        <a:rPr lang="en-US" sz="3200" b="0" i="1" smtClean="0">
+                          <a:latin typeface="Cambria Math" panose="02040503050406030204" pitchFamily="18" charset="0"/>
+                          <a:ea typeface="Cambria Math" panose="02040503050406030204" pitchFamily="18" charset="0"/>
+                        </a:rPr>
+                        <m:t>𝑠</m:t>
+                      </m:r>
+                      <m:r>
+                        <a:rPr lang="en-US" sz="3200" b="0" i="1" smtClean="0">
+                          <a:latin typeface="Cambria Math" panose="02040503050406030204" pitchFamily="18" charset="0"/>
+                          <a:ea typeface="Cambria Math" panose="02040503050406030204" pitchFamily="18" charset="0"/>
+                        </a:rPr>
+                        <m:t>) −</m:t>
                       </m:r>
                       <m:sSub>
                         <m:sSubPr>
@@ -6900,7 +6877,7 @@
             <p:spPr>
               <a:xfrm>
                 <a:off x="718458" y="3856656"/>
-                <a:ext cx="2947537" cy="492443"/>
+                <a:ext cx="3497752" cy="492443"/>
               </a:xfrm>
               <a:prstGeom prst="rect">
                 <a:avLst/>
@@ -6927,8 +6904,8 @@
           </p:sp>
         </mc:Fallback>
       </mc:AlternateContent>
-      <mc:AlternateContent xmlns:mc="http://schemas.openxmlformats.org/markup-compatibility/2006">
-        <mc:Choice xmlns:a14="http://schemas.microsoft.com/office/drawing/2010/main" Requires="a14">
+      <mc:AlternateContent xmlns:mc="http://schemas.openxmlformats.org/markup-compatibility/2006" xmlns:a14="http://schemas.microsoft.com/office/drawing/2010/main">
+        <mc:Choice Requires="a14">
           <p:sp>
             <p:nvSpPr>
               <p:cNvPr id="8" name="TextBox 7"/>
@@ -6951,6 +6928,7 @@
               </a:bodyPr>
               <a:lstStyle/>
               <a:p>
+                <a:pPr/>
                 <a14:m>
                   <m:oMathPara xmlns:m="http://schemas.openxmlformats.org/officeDocument/2006/math">
                     <m:oMathParaPr>
@@ -7098,14 +7076,7 @@
                                     <a:latin typeface="Cambria Math" panose="02040503050406030204" pitchFamily="18" charset="0"/>
                                     <a:ea typeface="Cambria Math" panose="02040503050406030204" pitchFamily="18" charset="0"/>
                                   </a:rPr>
-                                  <m:t>𝑔</m:t>
-                                </m:r>
-                                <m:r>
-                                  <a:rPr lang="en-US" sz="3200" b="0" i="1" smtClean="0">
-                                    <a:latin typeface="Cambria Math" panose="02040503050406030204" pitchFamily="18" charset="0"/>
-                                    <a:ea typeface="Cambria Math" panose="02040503050406030204" pitchFamily="18" charset="0"/>
-                                  </a:rPr>
-                                  <m:t>𝐻</m:t>
+                                  <m:t>𝑔𝐻</m:t>
                                 </m:r>
                                 <m:r>
                                   <a:rPr lang="en-US" sz="3200" b="0" i="1" smtClean="0">
@@ -7141,7 +7112,7 @@
             </p:txBody>
           </p:sp>
         </mc:Choice>
-        <mc:Fallback>
+        <mc:Fallback xmlns="">
           <p:sp>
             <p:nvSpPr>
               <p:cNvPr id="8" name="TextBox 7"/>
@@ -7180,8 +7151,8 @@
           </p:sp>
         </mc:Fallback>
       </mc:AlternateContent>
-      <mc:AlternateContent xmlns:mc="http://schemas.openxmlformats.org/markup-compatibility/2006">
-        <mc:Choice xmlns:a14="http://schemas.microsoft.com/office/drawing/2010/main" Requires="a14">
+      <mc:AlternateContent xmlns:mc="http://schemas.openxmlformats.org/markup-compatibility/2006" xmlns:a14="http://schemas.microsoft.com/office/drawing/2010/main">
+        <mc:Choice Requires="a14">
           <p:sp>
             <p:nvSpPr>
               <p:cNvPr id="9" name="TextBox 8"/>
@@ -7241,7 +7212,7 @@
             </p:txBody>
           </p:sp>
         </mc:Choice>
-        <mc:Fallback>
+        <mc:Fallback xmlns="">
           <p:sp>
             <p:nvSpPr>
               <p:cNvPr id="9" name="TextBox 8"/>
@@ -7557,8 +7528,8 @@
           </a:prstGeom>
         </p:spPr>
       </p:pic>
-      <mc:AlternateContent xmlns:mc="http://schemas.openxmlformats.org/markup-compatibility/2006">
-        <mc:Choice xmlns:a14="http://schemas.microsoft.com/office/drawing/2010/main" Requires="a14">
+      <mc:AlternateContent xmlns:mc="http://schemas.openxmlformats.org/markup-compatibility/2006" xmlns:a14="http://schemas.microsoft.com/office/drawing/2010/main">
+        <mc:Choice Requires="a14">
           <p:sp>
             <p:nvSpPr>
               <p:cNvPr id="6" name="TextBox 5"/>
@@ -7581,6 +7552,7 @@
               </a:bodyPr>
               <a:lstStyle/>
               <a:p>
+                <a:pPr/>
                 <a14:m>
                   <m:oMathPara xmlns:m="http://schemas.openxmlformats.org/officeDocument/2006/math">
                     <m:oMathParaPr>
@@ -7676,16 +7648,7 @@
                           </a:solidFill>
                           <a:latin typeface="Cambria Math" panose="02040503050406030204" pitchFamily="18" charset="0"/>
                         </a:rPr>
-                        <m:t>=</m:t>
-                      </m:r>
-                      <m:r>
-                        <a:rPr lang="en-US" sz="2800" b="0" i="1" smtClean="0">
-                          <a:solidFill>
-                            <a:srgbClr val="FF0000"/>
-                          </a:solidFill>
-                          <a:latin typeface="Cambria Math" panose="02040503050406030204" pitchFamily="18" charset="0"/>
-                        </a:rPr>
-                        <m:t>0</m:t>
+                        <m:t>=0</m:t>
                       </m:r>
                     </m:oMath>
                   </m:oMathPara>
@@ -7699,7 +7662,7 @@
             </p:txBody>
           </p:sp>
         </mc:Choice>
-        <mc:Fallback>
+        <mc:Fallback xmlns="">
           <p:sp>
             <p:nvSpPr>
               <p:cNvPr id="6" name="TextBox 5"/>
@@ -7976,8 +7939,8 @@
           </a:fontRef>
         </p:style>
       </p:cxnSp>
-      <mc:AlternateContent xmlns:mc="http://schemas.openxmlformats.org/markup-compatibility/2006">
-        <mc:Choice xmlns:a14="http://schemas.microsoft.com/office/drawing/2010/main" Requires="a14">
+      <mc:AlternateContent xmlns:mc="http://schemas.openxmlformats.org/markup-compatibility/2006" xmlns:a14="http://schemas.microsoft.com/office/drawing/2010/main">
+        <mc:Choice Requires="a14">
           <p:sp>
             <p:nvSpPr>
               <p:cNvPr id="13" name="TextBox 12"/>
@@ -8000,6 +7963,7 @@
               </a:bodyPr>
               <a:lstStyle/>
               <a:p>
+                <a:pPr/>
                 <a14:m>
                   <m:oMathPara xmlns:m="http://schemas.openxmlformats.org/officeDocument/2006/math">
                     <m:oMathParaPr>
@@ -8039,7 +8003,7 @@
             </p:txBody>
           </p:sp>
         </mc:Choice>
-        <mc:Fallback>
+        <mc:Fallback xmlns="">
           <p:sp>
             <p:nvSpPr>
               <p:cNvPr id="13" name="TextBox 12"/>
@@ -8078,8 +8042,8 @@
           </p:sp>
         </mc:Fallback>
       </mc:AlternateContent>
-      <mc:AlternateContent xmlns:mc="http://schemas.openxmlformats.org/markup-compatibility/2006">
-        <mc:Choice xmlns:a14="http://schemas.microsoft.com/office/drawing/2010/main" Requires="a14">
+      <mc:AlternateContent xmlns:mc="http://schemas.openxmlformats.org/markup-compatibility/2006" xmlns:a14="http://schemas.microsoft.com/office/drawing/2010/main">
+        <mc:Choice Requires="a14">
           <p:sp>
             <p:nvSpPr>
               <p:cNvPr id="14" name="TextBox 13"/>
@@ -8102,6 +8066,7 @@
               </a:bodyPr>
               <a:lstStyle/>
               <a:p>
+                <a:pPr/>
                 <a14:m>
                   <m:oMathPara xmlns:m="http://schemas.openxmlformats.org/officeDocument/2006/math">
                     <m:oMathParaPr>
@@ -8142,7 +8107,7 @@
             </p:txBody>
           </p:sp>
         </mc:Choice>
-        <mc:Fallback>
+        <mc:Fallback xmlns="">
           <p:sp>
             <p:nvSpPr>
               <p:cNvPr id="14" name="TextBox 13"/>
@@ -8181,8 +8146,8 @@
           </p:sp>
         </mc:Fallback>
       </mc:AlternateContent>
-      <mc:AlternateContent xmlns:mc="http://schemas.openxmlformats.org/markup-compatibility/2006">
-        <mc:Choice xmlns:a14="http://schemas.microsoft.com/office/drawing/2010/main" Requires="a14">
+      <mc:AlternateContent xmlns:mc="http://schemas.openxmlformats.org/markup-compatibility/2006" xmlns:a14="http://schemas.microsoft.com/office/drawing/2010/main">
+        <mc:Choice Requires="a14">
           <p:sp>
             <p:nvSpPr>
               <p:cNvPr id="15" name="TextBox 14"/>
@@ -8205,6 +8170,7 @@
               </a:bodyPr>
               <a:lstStyle/>
               <a:p>
+                <a:pPr/>
                 <a14:m>
                   <m:oMathPara xmlns:m="http://schemas.openxmlformats.org/officeDocument/2006/math">
                     <m:oMathParaPr>
@@ -8287,14 +8253,7 @@
                               <a:latin typeface="Cambria Math" panose="02040503050406030204" pitchFamily="18" charset="0"/>
                               <a:ea typeface="Cambria Math" panose="02040503050406030204" pitchFamily="18" charset="0"/>
                             </a:rPr>
-                            <m:t>1</m:t>
-                          </m:r>
-                          <m:r>
-                            <a:rPr lang="en-US" sz="2800" b="0" i="1" smtClean="0">
-                              <a:latin typeface="Cambria Math" panose="02040503050406030204" pitchFamily="18" charset="0"/>
-                              <a:ea typeface="Cambria Math" panose="02040503050406030204" pitchFamily="18" charset="0"/>
-                            </a:rPr>
-                            <m:t>−</m:t>
+                            <m:t>1−</m:t>
                           </m:r>
                           <m:sSup>
                             <m:sSupPr>
@@ -8411,7 +8370,7 @@
             </p:txBody>
           </p:sp>
         </mc:Choice>
-        <mc:Fallback>
+        <mc:Fallback xmlns="">
           <p:sp>
             <p:nvSpPr>
               <p:cNvPr id="15" name="TextBox 14"/>
@@ -8539,8 +8498,8 @@
           </a:prstGeom>
         </p:spPr>
       </p:pic>
-      <mc:AlternateContent xmlns:mc="http://schemas.openxmlformats.org/markup-compatibility/2006">
-        <mc:Choice xmlns:a14="http://schemas.microsoft.com/office/drawing/2010/main" Requires="a14">
+      <mc:AlternateContent xmlns:mc="http://schemas.openxmlformats.org/markup-compatibility/2006" xmlns:a14="http://schemas.microsoft.com/office/drawing/2010/main">
+        <mc:Choice Requires="a14">
           <p:sp>
             <p:nvSpPr>
               <p:cNvPr id="9" name="TextBox 8"/>
@@ -8563,6 +8522,7 @@
               </a:bodyPr>
               <a:lstStyle/>
               <a:p>
+                <a:pPr/>
                 <a14:m>
                   <m:oMathPara xmlns:m="http://schemas.openxmlformats.org/officeDocument/2006/math">
                     <m:oMathParaPr>
@@ -8631,7 +8591,7 @@
             </p:txBody>
           </p:sp>
         </mc:Choice>
-        <mc:Fallback>
+        <mc:Fallback xmlns="">
           <p:sp>
             <p:nvSpPr>
               <p:cNvPr id="9" name="TextBox 8"/>

--- a/Homework/TermProject_MAE5803/Coon_MAE5803_TermProject_Presentation.pptx
+++ b/Homework/TermProject_MAE5803/Coon_MAE5803_TermProject_Presentation.pptx
@@ -257,7 +257,7 @@
           <a:p>
             <a:fld id="{8FC00AEE-47FC-42EE-B4DA-677DEA4BE54E}" type="datetimeFigureOut">
               <a:rPr lang="en-US" smtClean="0"/>
-              <a:t>4/20/2017</a:t>
+              <a:t>4/20/17</a:t>
             </a:fld>
             <a:endParaRPr lang="en-US"/>
           </a:p>
@@ -427,7 +427,7 @@
           <a:p>
             <a:fld id="{8FC00AEE-47FC-42EE-B4DA-677DEA4BE54E}" type="datetimeFigureOut">
               <a:rPr lang="en-US" smtClean="0"/>
-              <a:t>4/20/2017</a:t>
+              <a:t>4/20/17</a:t>
             </a:fld>
             <a:endParaRPr lang="en-US"/>
           </a:p>
@@ -607,7 +607,7 @@
           <a:p>
             <a:fld id="{8FC00AEE-47FC-42EE-B4DA-677DEA4BE54E}" type="datetimeFigureOut">
               <a:rPr lang="en-US" smtClean="0"/>
-              <a:t>4/20/2017</a:t>
+              <a:t>4/20/17</a:t>
             </a:fld>
             <a:endParaRPr lang="en-US"/>
           </a:p>
@@ -777,7 +777,7 @@
           <a:p>
             <a:fld id="{8FC00AEE-47FC-42EE-B4DA-677DEA4BE54E}" type="datetimeFigureOut">
               <a:rPr lang="en-US" smtClean="0"/>
-              <a:t>4/20/2017</a:t>
+              <a:t>4/20/17</a:t>
             </a:fld>
             <a:endParaRPr lang="en-US"/>
           </a:p>
@@ -1023,7 +1023,7 @@
           <a:p>
             <a:fld id="{8FC00AEE-47FC-42EE-B4DA-677DEA4BE54E}" type="datetimeFigureOut">
               <a:rPr lang="en-US" smtClean="0"/>
-              <a:t>4/20/2017</a:t>
+              <a:t>4/20/17</a:t>
             </a:fld>
             <a:endParaRPr lang="en-US"/>
           </a:p>
@@ -1255,7 +1255,7 @@
           <a:p>
             <a:fld id="{8FC00AEE-47FC-42EE-B4DA-677DEA4BE54E}" type="datetimeFigureOut">
               <a:rPr lang="en-US" smtClean="0"/>
-              <a:t>4/20/2017</a:t>
+              <a:t>4/20/17</a:t>
             </a:fld>
             <a:endParaRPr lang="en-US"/>
           </a:p>
@@ -1622,7 +1622,7 @@
           <a:p>
             <a:fld id="{8FC00AEE-47FC-42EE-B4DA-677DEA4BE54E}" type="datetimeFigureOut">
               <a:rPr lang="en-US" smtClean="0"/>
-              <a:t>4/20/2017</a:t>
+              <a:t>4/20/17</a:t>
             </a:fld>
             <a:endParaRPr lang="en-US"/>
           </a:p>
@@ -1740,7 +1740,7 @@
           <a:p>
             <a:fld id="{8FC00AEE-47FC-42EE-B4DA-677DEA4BE54E}" type="datetimeFigureOut">
               <a:rPr lang="en-US" smtClean="0"/>
-              <a:t>4/20/2017</a:t>
+              <a:t>4/20/17</a:t>
             </a:fld>
             <a:endParaRPr lang="en-US"/>
           </a:p>
@@ -1835,7 +1835,7 @@
           <a:p>
             <a:fld id="{8FC00AEE-47FC-42EE-B4DA-677DEA4BE54E}" type="datetimeFigureOut">
               <a:rPr lang="en-US" smtClean="0"/>
-              <a:t>4/20/2017</a:t>
+              <a:t>4/20/17</a:t>
             </a:fld>
             <a:endParaRPr lang="en-US"/>
           </a:p>
@@ -2112,7 +2112,7 @@
           <a:p>
             <a:fld id="{8FC00AEE-47FC-42EE-B4DA-677DEA4BE54E}" type="datetimeFigureOut">
               <a:rPr lang="en-US" smtClean="0"/>
-              <a:t>4/20/2017</a:t>
+              <a:t>4/20/17</a:t>
             </a:fld>
             <a:endParaRPr lang="en-US"/>
           </a:p>
@@ -2365,7 +2365,7 @@
           <a:p>
             <a:fld id="{8FC00AEE-47FC-42EE-B4DA-677DEA4BE54E}" type="datetimeFigureOut">
               <a:rPr lang="en-US" smtClean="0"/>
-              <a:t>4/20/2017</a:t>
+              <a:t>4/20/17</a:t>
             </a:fld>
             <a:endParaRPr lang="en-US"/>
           </a:p>
@@ -2578,7 +2578,7 @@
           <a:p>
             <a:fld id="{8FC00AEE-47FC-42EE-B4DA-677DEA4BE54E}" type="datetimeFigureOut">
               <a:rPr lang="en-US" smtClean="0"/>
-              <a:t>4/20/2017</a:t>
+              <a:t>4/20/17</a:t>
             </a:fld>
             <a:endParaRPr lang="en-US"/>
           </a:p>
@@ -3129,7 +3129,7 @@
                         <m:sSubPr>
                           <m:ctrlPr>
                             <a:rPr lang="en-US" sz="3200" i="1" smtClean="0">
-                              <a:latin typeface="Cambria Math" panose="02040503050406030204" pitchFamily="18" charset="0"/>
+                              <a:latin typeface="Cambria Math" charset="0"/>
                             </a:rPr>
                           </m:ctrlPr>
                         </m:sSubPr>
@@ -3146,7 +3146,7 @@
                             <m:sSubPr>
                               <m:ctrlPr>
                                 <a:rPr lang="en-US" sz="3200" i="1" smtClean="0">
-                                  <a:latin typeface="Cambria Math" panose="02040503050406030204" pitchFamily="18" charset="0"/>
+                                  <a:latin typeface="Cambria Math" charset="0"/>
                                 </a:rPr>
                               </m:ctrlPr>
                             </m:sSubPr>
@@ -3179,7 +3179,7 @@
                         <m:dPr>
                           <m:ctrlPr>
                             <a:rPr lang="en-US" sz="3200" b="0" i="1" smtClean="0">
-                              <a:latin typeface="Cambria Math" panose="02040503050406030204" pitchFamily="18" charset="0"/>
+                              <a:latin typeface="Cambria Math" charset="0"/>
                             </a:rPr>
                           </m:ctrlPr>
                         </m:dPr>
@@ -3211,7 +3211,7 @@
                             <m:sSubPr>
                               <m:ctrlPr>
                                 <a:rPr lang="en-US" sz="3200" b="0" i="1" smtClean="0">
-                                  <a:latin typeface="Cambria Math" panose="02040503050406030204" pitchFamily="18" charset="0"/>
+                                  <a:latin typeface="Cambria Math" charset="0"/>
                                   <a:ea typeface="Cambria Math" panose="02040503050406030204" pitchFamily="18" charset="0"/>
                                 </a:rPr>
                               </m:ctrlPr>
@@ -3241,7 +3241,7 @@
                         <m:sSubPr>
                           <m:ctrlPr>
                             <a:rPr lang="en-US" sz="3200" b="0" i="1" smtClean="0">
-                              <a:latin typeface="Cambria Math" panose="02040503050406030204" pitchFamily="18" charset="0"/>
+                              <a:latin typeface="Cambria Math" charset="0"/>
                             </a:rPr>
                           </m:ctrlPr>
                         </m:sSubPr>
@@ -3259,7 +3259,7 @@
                             <m:dPr>
                               <m:ctrlPr>
                                 <a:rPr lang="en-US" sz="3200" b="0" i="1" smtClean="0">
-                                  <a:latin typeface="Cambria Math" panose="02040503050406030204" pitchFamily="18" charset="0"/>
+                                  <a:latin typeface="Cambria Math" charset="0"/>
                                 </a:rPr>
                               </m:ctrlPr>
                             </m:dPr>
@@ -3268,7 +3268,7 @@
                                 <m:sSubPr>
                                   <m:ctrlPr>
                                     <a:rPr lang="en-US" sz="3200" b="0" i="1" smtClean="0">
-                                      <a:latin typeface="Cambria Math" panose="02040503050406030204" pitchFamily="18" charset="0"/>
+                                      <a:latin typeface="Cambria Math" charset="0"/>
                                     </a:rPr>
                                   </m:ctrlPr>
                                 </m:sSubPr>
@@ -3490,7 +3490,7 @@
                         <m:sSubPr>
                           <m:ctrlPr>
                             <a:rPr lang="en-US" sz="3600" b="0" i="1" smtClean="0">
-                              <a:latin typeface="Cambria Math" panose="02040503050406030204" pitchFamily="18" charset="0"/>
+                              <a:latin typeface="Cambria Math" charset="0"/>
                             </a:rPr>
                           </m:ctrlPr>
                         </m:sSubPr>
@@ -3521,7 +3521,7 @@
                         <m:sSubPr>
                           <m:ctrlPr>
                             <a:rPr lang="en-US" sz="3600" b="0" i="1" smtClean="0">
-                              <a:latin typeface="Cambria Math" panose="02040503050406030204" pitchFamily="18" charset="0"/>
+                              <a:latin typeface="Cambria Math" charset="0"/>
                             </a:rPr>
                           </m:ctrlPr>
                         </m:sSubPr>
@@ -3574,7 +3574,7 @@
                         <m:sSubPr>
                           <m:ctrlPr>
                             <a:rPr lang="en-US" sz="3600" i="1" smtClean="0">
-                              <a:latin typeface="Cambria Math" panose="02040503050406030204" pitchFamily="18" charset="0"/>
+                              <a:latin typeface="Cambria Math" charset="0"/>
                             </a:rPr>
                           </m:ctrlPr>
                         </m:sSubPr>
@@ -4006,7 +4006,7 @@
                         <m:sSubPr>
                           <m:ctrlPr>
                             <a:rPr lang="en-US" sz="3200" i="1" smtClean="0">
-                              <a:latin typeface="Cambria Math" panose="02040503050406030204" pitchFamily="18" charset="0"/>
+                              <a:latin typeface="Cambria Math" charset="0"/>
                             </a:rPr>
                           </m:ctrlPr>
                         </m:sSubPr>
@@ -4037,7 +4037,7 @@
                         <m:sSubPr>
                           <m:ctrlPr>
                             <a:rPr lang="en-US" sz="3200" i="1">
-                              <a:latin typeface="Cambria Math" panose="02040503050406030204" pitchFamily="18" charset="0"/>
+                              <a:latin typeface="Cambria Math" charset="0"/>
                             </a:rPr>
                           </m:ctrlPr>
                         </m:sSubPr>
@@ -4081,7 +4081,7 @@
                         <m:sSubPr>
                           <m:ctrlPr>
                             <a:rPr lang="en-US" sz="3200" b="0" i="1" smtClean="0">
-                              <a:latin typeface="Cambria Math" panose="02040503050406030204" pitchFamily="18" charset="0"/>
+                              <a:latin typeface="Cambria Math" charset="0"/>
                             </a:rPr>
                           </m:ctrlPr>
                         </m:sSubPr>
@@ -4112,7 +4112,7 @@
                         <m:dPr>
                           <m:ctrlPr>
                             <a:rPr lang="en-US" sz="3200" b="0" i="1" smtClean="0">
-                              <a:latin typeface="Cambria Math" panose="02040503050406030204" pitchFamily="18" charset="0"/>
+                              <a:latin typeface="Cambria Math" charset="0"/>
                             </a:rPr>
                           </m:ctrlPr>
                         </m:dPr>
@@ -4133,7 +4133,7 @@
                             <m:sSubPr>
                               <m:ctrlPr>
                                 <a:rPr lang="en-US" sz="3200" b="0" i="1" smtClean="0">
-                                  <a:latin typeface="Cambria Math" panose="02040503050406030204" pitchFamily="18" charset="0"/>
+                                  <a:latin typeface="Cambria Math" charset="0"/>
                                 </a:rPr>
                               </m:ctrlPr>
                             </m:sSubPr>
@@ -4176,7 +4176,7 @@
                         <m:sSubPr>
                           <m:ctrlPr>
                             <a:rPr lang="en-US" sz="3200" i="1">
-                              <a:latin typeface="Cambria Math" panose="02040503050406030204" pitchFamily="18" charset="0"/>
+                              <a:latin typeface="Cambria Math" charset="0"/>
                             </a:rPr>
                           </m:ctrlPr>
                         </m:sSubPr>
@@ -4425,7 +4425,7 @@
                         <m:chr m:val="̇"/>
                         <m:ctrlPr>
                           <a:rPr lang="en-US" i="1" smtClean="0">
-                            <a:latin typeface="Cambria Math" panose="02040503050406030204" pitchFamily="18" charset="0"/>
+                            <a:latin typeface="Cambria Math" charset="0"/>
                           </a:rPr>
                         </m:ctrlPr>
                       </m:accPr>
@@ -4534,7 +4534,7 @@
                         <m:fPr>
                           <m:ctrlPr>
                             <a:rPr lang="en-US" sz="2400" b="0" i="1" smtClean="0">
-                              <a:latin typeface="Cambria Math" panose="02040503050406030204" pitchFamily="18" charset="0"/>
+                              <a:latin typeface="Cambria Math" charset="0"/>
                             </a:rPr>
                           </m:ctrlPr>
                         </m:fPr>
@@ -4559,7 +4559,7 @@
                         <m:sSupPr>
                           <m:ctrlPr>
                             <a:rPr lang="en-US" sz="2400" b="0" i="1" smtClean="0">
-                              <a:latin typeface="Cambria Math" panose="02040503050406030204" pitchFamily="18" charset="0"/>
+                              <a:latin typeface="Cambria Math" charset="0"/>
                             </a:rPr>
                           </m:ctrlPr>
                         </m:sSupPr>
@@ -4590,7 +4590,7 @@
                         <m:fPr>
                           <m:ctrlPr>
                             <a:rPr lang="en-US" sz="2400" b="0" i="1" smtClean="0">
-                              <a:latin typeface="Cambria Math" panose="02040503050406030204" pitchFamily="18" charset="0"/>
+                              <a:latin typeface="Cambria Math" charset="0"/>
                             </a:rPr>
                           </m:ctrlPr>
                         </m:fPr>
@@ -4615,7 +4615,7 @@
                         <m:sSupPr>
                           <m:ctrlPr>
                             <a:rPr lang="en-US" sz="2400" b="0" i="1" smtClean="0">
-                              <a:latin typeface="Cambria Math" panose="02040503050406030204" pitchFamily="18" charset="0"/>
+                              <a:latin typeface="Cambria Math" charset="0"/>
                             </a:rPr>
                           </m:ctrlPr>
                         </m:sSupPr>
@@ -4624,7 +4624,7 @@
                             <m:dPr>
                               <m:ctrlPr>
                                 <a:rPr lang="en-US" sz="2400" b="0" i="1" smtClean="0">
-                                  <a:latin typeface="Cambria Math" panose="02040503050406030204" pitchFamily="18" charset="0"/>
+                                  <a:latin typeface="Cambria Math" charset="0"/>
                                 </a:rPr>
                               </m:ctrlPr>
                             </m:dPr>
@@ -4678,7 +4678,7 @@
                           <m:chr m:val="̇"/>
                           <m:ctrlPr>
                             <a:rPr lang="en-US" sz="2400" i="1" smtClean="0">
-                              <a:latin typeface="Cambria Math" panose="02040503050406030204" pitchFamily="18" charset="0"/>
+                              <a:latin typeface="Cambria Math" charset="0"/>
                             </a:rPr>
                           </m:ctrlPr>
                         </m:accPr>
@@ -4708,7 +4708,7 @@
                           <m:chr m:val="̇"/>
                           <m:ctrlPr>
                             <a:rPr lang="en-US" sz="2400" b="0" i="1" smtClean="0">
-                              <a:latin typeface="Cambria Math" panose="02040503050406030204" pitchFamily="18" charset="0"/>
+                              <a:latin typeface="Cambria Math" charset="0"/>
                             </a:rPr>
                           </m:ctrlPr>
                         </m:accPr>
@@ -4745,7 +4745,7 @@
                         <m:dPr>
                           <m:ctrlPr>
                             <a:rPr lang="en-US" sz="2400" b="0" i="1" smtClean="0">
-                              <a:latin typeface="Cambria Math" panose="02040503050406030204" pitchFamily="18" charset="0"/>
+                              <a:latin typeface="Cambria Math" charset="0"/>
                               <a:ea typeface="Cambria Math" panose="02040503050406030204" pitchFamily="18" charset="0"/>
                             </a:rPr>
                           </m:ctrlPr>
@@ -4756,7 +4756,7 @@
                               <m:chr m:val="̇"/>
                               <m:ctrlPr>
                                 <a:rPr lang="en-US" sz="2400" b="0" i="1" smtClean="0">
-                                  <a:latin typeface="Cambria Math" panose="02040503050406030204" pitchFamily="18" charset="0"/>
+                                  <a:latin typeface="Cambria Math" charset="0"/>
                                   <a:ea typeface="Cambria Math" panose="02040503050406030204" pitchFamily="18" charset="0"/>
                                 </a:rPr>
                               </m:ctrlPr>
@@ -4819,7 +4819,7 @@
                       <m:dPr>
                         <m:ctrlPr>
                           <a:rPr lang="en-US" sz="2400" b="0" i="1" smtClean="0">
-                            <a:latin typeface="Cambria Math" panose="02040503050406030204" pitchFamily="18" charset="0"/>
+                            <a:latin typeface="Cambria Math" charset="0"/>
                             <a:ea typeface="Cambria Math" panose="02040503050406030204" pitchFamily="18" charset="0"/>
                           </a:rPr>
                         </m:ctrlPr>
@@ -4873,7 +4873,7 @@
                       <m:dPr>
                         <m:ctrlPr>
                           <a:rPr lang="en-US" sz="2400" b="0" i="1" smtClean="0">
-                            <a:latin typeface="Cambria Math" panose="02040503050406030204" pitchFamily="18" charset="0"/>
+                            <a:latin typeface="Cambria Math" charset="0"/>
                             <a:ea typeface="Cambria Math" panose="02040503050406030204" pitchFamily="18" charset="0"/>
                           </a:rPr>
                         </m:ctrlPr>
@@ -4927,7 +4927,7 @@
                         <m:chr m:val="̇"/>
                         <m:ctrlPr>
                           <a:rPr lang="en-US" sz="2400" i="1" smtClean="0">
-                            <a:latin typeface="Cambria Math" panose="02040503050406030204" pitchFamily="18" charset="0"/>
+                            <a:latin typeface="Cambria Math" charset="0"/>
                             <a:ea typeface="Cambria Math" panose="02040503050406030204" pitchFamily="18" charset="0"/>
                           </a:rPr>
                         </m:ctrlPr>
@@ -4981,7 +4981,7 @@
                         <m:dPr>
                           <m:ctrlPr>
                             <a:rPr lang="en-US" sz="2400" b="0" i="1" smtClean="0">
-                              <a:latin typeface="Cambria Math" panose="02040503050406030204" pitchFamily="18" charset="0"/>
+                              <a:latin typeface="Cambria Math" charset="0"/>
                               <a:ea typeface="Cambria Math" panose="02040503050406030204" pitchFamily="18" charset="0"/>
                             </a:rPr>
                           </m:ctrlPr>
@@ -5028,7 +5028,7 @@
                         <m:dPr>
                           <m:ctrlPr>
                             <a:rPr lang="en-US" sz="2400" b="0" i="1" smtClean="0">
-                              <a:latin typeface="Cambria Math" panose="02040503050406030204" pitchFamily="18" charset="0"/>
+                              <a:latin typeface="Cambria Math" charset="0"/>
                               <a:ea typeface="Cambria Math" panose="02040503050406030204" pitchFamily="18" charset="0"/>
                             </a:rPr>
                           </m:ctrlPr>
@@ -5093,7 +5093,7 @@
                         <m:dPr>
                           <m:ctrlPr>
                             <a:rPr lang="en-US" sz="2400" b="0" i="1" smtClean="0">
-                              <a:latin typeface="Cambria Math" panose="02040503050406030204" pitchFamily="18" charset="0"/>
+                              <a:latin typeface="Cambria Math" charset="0"/>
                               <a:ea typeface="Cambria Math" panose="02040503050406030204" pitchFamily="18" charset="0"/>
                             </a:rPr>
                           </m:ctrlPr>
@@ -5119,7 +5119,7 @@
                         <m:dPr>
                           <m:ctrlPr>
                             <a:rPr lang="en-US" sz="2400" b="0" i="1" smtClean="0">
-                              <a:latin typeface="Cambria Math" panose="02040503050406030204" pitchFamily="18" charset="0"/>
+                              <a:latin typeface="Cambria Math" charset="0"/>
                               <a:ea typeface="Cambria Math" panose="02040503050406030204" pitchFamily="18" charset="0"/>
                             </a:rPr>
                           </m:ctrlPr>
@@ -5156,7 +5156,7 @@
                             <m:sSubPr>
                               <m:ctrlPr>
                                 <a:rPr lang="en-US" sz="2400" b="0" i="1" smtClean="0">
-                                  <a:latin typeface="Cambria Math" panose="02040503050406030204" pitchFamily="18" charset="0"/>
+                                  <a:latin typeface="Cambria Math" charset="0"/>
                                   <a:ea typeface="Cambria Math" panose="02040503050406030204" pitchFamily="18" charset="0"/>
                                 </a:rPr>
                               </m:ctrlPr>
@@ -5282,7 +5282,7 @@
                         <m:fPr>
                           <m:ctrlPr>
                             <a:rPr lang="en-US" i="1" smtClean="0">
-                              <a:latin typeface="Cambria Math" panose="02040503050406030204" pitchFamily="18" charset="0"/>
+                              <a:latin typeface="Cambria Math" charset="0"/>
                             </a:rPr>
                           </m:ctrlPr>
                         </m:fPr>
@@ -5421,7 +5421,7 @@
                         <m:fPr>
                           <m:ctrlPr>
                             <a:rPr lang="en-US" sz="2800" b="0" i="1" smtClean="0">
-                              <a:latin typeface="Cambria Math" panose="02040503050406030204" pitchFamily="18" charset="0"/>
+                              <a:latin typeface="Cambria Math" charset="0"/>
                               <a:ea typeface="Cambria Math" panose="02040503050406030204" pitchFamily="18" charset="0"/>
                             </a:rPr>
                           </m:ctrlPr>
@@ -5474,7 +5474,7 @@
                             <m:sSubPr>
                               <m:ctrlPr>
                                 <a:rPr lang="en-US" sz="2800" b="0" i="1" smtClean="0">
-                                  <a:latin typeface="Cambria Math" panose="02040503050406030204" pitchFamily="18" charset="0"/>
+                                  <a:latin typeface="Cambria Math" charset="0"/>
                                   <a:ea typeface="Cambria Math" panose="02040503050406030204" pitchFamily="18" charset="0"/>
                                 </a:rPr>
                               </m:ctrlPr>
@@ -5802,7 +5802,7 @@
                           <m:endChr m:val="}"/>
                           <m:ctrlPr>
                             <a:rPr lang="en-US" sz="3200" i="1" smtClean="0">
-                              <a:latin typeface="Cambria Math" panose="02040503050406030204" pitchFamily="18" charset="0"/>
+                              <a:latin typeface="Cambria Math" charset="0"/>
                             </a:rPr>
                           </m:ctrlPr>
                         </m:dPr>
@@ -5819,7 +5819,7 @@
                               </m:mcs>
                               <m:ctrlPr>
                                 <a:rPr lang="en-US" sz="3200" i="1" smtClean="0">
-                                  <a:latin typeface="Cambria Math" panose="02040503050406030204" pitchFamily="18" charset="0"/>
+                                  <a:latin typeface="Cambria Math" charset="0"/>
                                 </a:rPr>
                               </m:ctrlPr>
                             </m:mPr>
@@ -5830,7 +5830,7 @@
                                     <m:chr m:val="̇"/>
                                     <m:ctrlPr>
                                       <a:rPr lang="en-US" sz="3200" i="1" smtClean="0">
-                                        <a:latin typeface="Cambria Math" panose="02040503050406030204" pitchFamily="18" charset="0"/>
+                                        <a:latin typeface="Cambria Math" charset="0"/>
                                       </a:rPr>
                                     </m:ctrlPr>
                                   </m:accPr>
@@ -5876,7 +5876,7 @@
                                   <m:dPr>
                                     <m:ctrlPr>
                                       <a:rPr lang="en-US" sz="3200" b="0" i="1" smtClean="0">
-                                        <a:latin typeface="Cambria Math" panose="02040503050406030204" pitchFamily="18" charset="0"/>
+                                        <a:latin typeface="Cambria Math" charset="0"/>
                                         <a:ea typeface="Cambria Math" panose="02040503050406030204" pitchFamily="18" charset="0"/>
                                       </a:rPr>
                                     </m:ctrlPr>
@@ -5914,7 +5914,7 @@
                                     <m:chr m:val="̇"/>
                                     <m:ctrlPr>
                                       <a:rPr lang="en-US" sz="3200" i="1" smtClean="0">
-                                        <a:latin typeface="Cambria Math" panose="02040503050406030204" pitchFamily="18" charset="0"/>
+                                        <a:latin typeface="Cambria Math" charset="0"/>
                                       </a:rPr>
                                     </m:ctrlPr>
                                   </m:accPr>
@@ -6280,11 +6280,11 @@
   <p:clrMapOvr>
     <a:masterClrMapping/>
   </p:clrMapOvr>
-  <mc:AlternateContent xmlns:mc="http://schemas.openxmlformats.org/markup-compatibility/2006" xmlns:p14="http://schemas.microsoft.com/office/powerpoint/2010/main">
-    <mc:Choice Requires="p14">
+  <mc:AlternateContent xmlns:mc="http://schemas.openxmlformats.org/markup-compatibility/2006">
+    <mc:Choice xmlns:p14="http://schemas.microsoft.com/office/powerpoint/2010/main" Requires="p14">
       <p:transition spd="slow" p14:dur="2000"/>
     </mc:Choice>
-    <mc:Fallback xmlns="">
+    <mc:Fallback>
       <p:transition spd="slow"/>
     </mc:Fallback>
   </mc:AlternateContent>
@@ -6731,8 +6731,8 @@
           </p:sp>
         </mc:Fallback>
       </mc:AlternateContent>
-      <mc:AlternateContent xmlns:mc="http://schemas.openxmlformats.org/markup-compatibility/2006">
-        <mc:Choice xmlns:a14="http://schemas.microsoft.com/office/drawing/2010/main" Requires="a14">
+      <mc:AlternateContent xmlns:mc="http://schemas.openxmlformats.org/markup-compatibility/2006" xmlns:a14="http://schemas.microsoft.com/office/drawing/2010/main">
+        <mc:Choice Requires="a14">
           <p:sp>
             <p:nvSpPr>
               <p:cNvPr id="7" name="TextBox 6"/>
@@ -6772,7 +6772,7 @@
                         <m:dPr>
                           <m:ctrlPr>
                             <a:rPr lang="en-US" sz="3200" b="0" i="1" smtClean="0">
-                              <a:latin typeface="Cambria Math" panose="02040503050406030204" pitchFamily="18" charset="0"/>
+                              <a:latin typeface="Cambria Math" charset="0"/>
                             </a:rPr>
                           </m:ctrlPr>
                         </m:dPr>
@@ -6833,7 +6833,7 @@
                         <m:sSubPr>
                           <m:ctrlPr>
                             <a:rPr lang="en-US" sz="3200" b="0" i="1" smtClean="0">
-                              <a:latin typeface="Cambria Math" panose="02040503050406030204" pitchFamily="18" charset="0"/>
+                              <a:latin typeface="Cambria Math" charset="0"/>
                               <a:ea typeface="Cambria Math" panose="02040503050406030204" pitchFamily="18" charset="0"/>
                             </a:rPr>
                           </m:ctrlPr>
@@ -6865,7 +6865,7 @@
             </p:txBody>
           </p:sp>
         </mc:Choice>
-        <mc:Fallback>
+        <mc:Fallback xmlns="">
           <p:sp>
             <p:nvSpPr>
               <p:cNvPr id="7" name="TextBox 6"/>
@@ -6941,7 +6941,7 @@
                           <m:endChr m:val="}"/>
                           <m:ctrlPr>
                             <a:rPr lang="en-US" sz="3200" i="1" smtClean="0">
-                              <a:latin typeface="Cambria Math" panose="02040503050406030204" pitchFamily="18" charset="0"/>
+                              <a:latin typeface="Cambria Math" charset="0"/>
                             </a:rPr>
                           </m:ctrlPr>
                         </m:dPr>
@@ -6958,7 +6958,7 @@
                               </m:mcs>
                               <m:ctrlPr>
                                 <a:rPr lang="en-US" sz="3200" i="1" smtClean="0">
-                                  <a:latin typeface="Cambria Math" panose="02040503050406030204" pitchFamily="18" charset="0"/>
+                                  <a:latin typeface="Cambria Math" charset="0"/>
                                 </a:rPr>
                               </m:ctrlPr>
                             </m:mPr>
@@ -6969,7 +6969,7 @@
                                     <m:chr m:val="̇"/>
                                     <m:ctrlPr>
                                       <a:rPr lang="en-US" sz="3200" i="1" smtClean="0">
-                                        <a:latin typeface="Cambria Math" panose="02040503050406030204" pitchFamily="18" charset="0"/>
+                                        <a:latin typeface="Cambria Math" charset="0"/>
                                       </a:rPr>
                                     </m:ctrlPr>
                                   </m:accPr>
@@ -7005,7 +7005,7 @@
                                   <m:dPr>
                                     <m:ctrlPr>
                                       <a:rPr lang="en-US" sz="3200" b="0" i="1" smtClean="0">
-                                        <a:latin typeface="Cambria Math" panose="02040503050406030204" pitchFamily="18" charset="0"/>
+                                        <a:latin typeface="Cambria Math" charset="0"/>
                                         <a:ea typeface="Cambria Math" panose="02040503050406030204" pitchFamily="18" charset="0"/>
                                       </a:rPr>
                                     </m:ctrlPr>
@@ -7043,7 +7043,7 @@
                                     <m:chr m:val="̇"/>
                                     <m:ctrlPr>
                                       <a:rPr lang="en-US" sz="3200" i="1" smtClean="0">
-                                        <a:latin typeface="Cambria Math" panose="02040503050406030204" pitchFamily="18" charset="0"/>
+                                        <a:latin typeface="Cambria Math" charset="0"/>
                                       </a:rPr>
                                     </m:ctrlPr>
                                   </m:accPr>
@@ -7373,8 +7373,8 @@
         </p:nvCxnSpPr>
         <p:spPr>
           <a:xfrm flipH="1" flipV="1">
-            <a:off x="3665995" y="4264090"/>
-            <a:ext cx="636836" cy="417932"/>
+            <a:off x="3974353" y="4303059"/>
+            <a:ext cx="328478" cy="378963"/>
           </a:xfrm>
           <a:prstGeom prst="straightConnector1">
             <a:avLst/>
@@ -7566,7 +7566,7 @@
                               <a:solidFill>
                                 <a:srgbClr val="FF0000"/>
                               </a:solidFill>
-                              <a:latin typeface="Cambria Math" panose="02040503050406030204" pitchFamily="18" charset="0"/>
+                              <a:latin typeface="Cambria Math" charset="0"/>
                             </a:rPr>
                           </m:ctrlPr>
                         </m:sSubPr>
@@ -7600,7 +7600,7 @@
                               <a:solidFill>
                                 <a:srgbClr val="FF0000"/>
                               </a:solidFill>
-                              <a:latin typeface="Cambria Math" panose="02040503050406030204" pitchFamily="18" charset="0"/>
+                              <a:latin typeface="Cambria Math" charset="0"/>
                             </a:rPr>
                           </m:ctrlPr>
                         </m:dPr>
@@ -7612,7 +7612,7 @@
                                   <a:solidFill>
                                     <a:srgbClr val="FF0000"/>
                                   </a:solidFill>
-                                  <a:latin typeface="Cambria Math" panose="02040503050406030204" pitchFamily="18" charset="0"/>
+                                  <a:latin typeface="Cambria Math" charset="0"/>
                                 </a:rPr>
                               </m:ctrlPr>
                             </m:sSupPr>
@@ -7974,7 +7974,7 @@
                         <m:sSubPr>
                           <m:ctrlPr>
                             <a:rPr lang="en-US" i="1" smtClean="0">
-                              <a:latin typeface="Cambria Math" panose="02040503050406030204" pitchFamily="18" charset="0"/>
+                              <a:latin typeface="Cambria Math" charset="0"/>
                             </a:rPr>
                           </m:ctrlPr>
                         </m:sSubPr>
@@ -8077,7 +8077,7 @@
                         <m:sSubPr>
                           <m:ctrlPr>
                             <a:rPr lang="en-US" i="1" smtClean="0">
-                              <a:latin typeface="Cambria Math" panose="02040503050406030204" pitchFamily="18" charset="0"/>
+                              <a:latin typeface="Cambria Math" charset="0"/>
                             </a:rPr>
                           </m:ctrlPr>
                         </m:sSubPr>
@@ -8188,7 +8188,7 @@
                         <m:dPr>
                           <m:ctrlPr>
                             <a:rPr lang="en-US" sz="2800" b="0" i="1" smtClean="0">
-                              <a:latin typeface="Cambria Math" panose="02040503050406030204" pitchFamily="18" charset="0"/>
+                              <a:latin typeface="Cambria Math" charset="0"/>
                               <a:ea typeface="Cambria Math" panose="02040503050406030204" pitchFamily="18" charset="0"/>
                             </a:rPr>
                           </m:ctrlPr>
@@ -8214,7 +8214,7 @@
                         <m:sSubPr>
                           <m:ctrlPr>
                             <a:rPr lang="en-US" sz="2800" b="0" i="1" smtClean="0">
-                              <a:latin typeface="Cambria Math" panose="02040503050406030204" pitchFamily="18" charset="0"/>
+                              <a:latin typeface="Cambria Math" charset="0"/>
                               <a:ea typeface="Cambria Math" panose="02040503050406030204" pitchFamily="18" charset="0"/>
                             </a:rPr>
                           </m:ctrlPr>
@@ -8242,7 +8242,7 @@
                         <m:dPr>
                           <m:ctrlPr>
                             <a:rPr lang="en-US" sz="2800" b="0" i="1" smtClean="0">
-                              <a:latin typeface="Cambria Math" panose="02040503050406030204" pitchFamily="18" charset="0"/>
+                              <a:latin typeface="Cambria Math" charset="0"/>
                               <a:ea typeface="Cambria Math" panose="02040503050406030204" pitchFamily="18" charset="0"/>
                             </a:rPr>
                           </m:ctrlPr>
@@ -8259,7 +8259,7 @@
                             <m:sSupPr>
                               <m:ctrlPr>
                                 <a:rPr lang="en-US" sz="2800" b="0" i="1" smtClean="0">
-                                  <a:latin typeface="Cambria Math" panose="02040503050406030204" pitchFamily="18" charset="0"/>
+                                  <a:latin typeface="Cambria Math" charset="0"/>
                                   <a:ea typeface="Cambria Math" panose="02040503050406030204" pitchFamily="18" charset="0"/>
                                 </a:rPr>
                               </m:ctrlPr>
@@ -8285,7 +8285,7 @@
                                 <m:sSubPr>
                                   <m:ctrlPr>
                                     <a:rPr lang="en-US" sz="2800" b="0" i="1" smtClean="0">
-                                      <a:latin typeface="Cambria Math" panose="02040503050406030204" pitchFamily="18" charset="0"/>
+                                      <a:latin typeface="Cambria Math" charset="0"/>
                                       <a:ea typeface="Cambria Math" panose="02040503050406030204" pitchFamily="18" charset="0"/>
                                     </a:rPr>
                                   </m:ctrlPr>
@@ -8331,7 +8331,7 @@
                         <m:sSubPr>
                           <m:ctrlPr>
                             <a:rPr lang="en-US" sz="2800" b="0" i="1" smtClean="0">
-                              <a:latin typeface="Cambria Math" panose="02040503050406030204" pitchFamily="18" charset="0"/>
+                              <a:latin typeface="Cambria Math" charset="0"/>
                               <a:ea typeface="Cambria Math" panose="02040503050406030204" pitchFamily="18" charset="0"/>
                             </a:rPr>
                           </m:ctrlPr>
@@ -8554,7 +8554,7 @@
                         <m:dPr>
                           <m:ctrlPr>
                             <a:rPr lang="en-US" sz="2800" b="0" i="1" smtClean="0">
-                              <a:latin typeface="Cambria Math" panose="02040503050406030204" pitchFamily="18" charset="0"/>
+                              <a:latin typeface="Cambria Math" charset="0"/>
                               <a:ea typeface="Cambria Math" panose="02040503050406030204" pitchFamily="18" charset="0"/>
                             </a:rPr>
                           </m:ctrlPr>

--- a/Homework/TermProject_MAE5803/Coon_MAE5803_TermProject_Presentation.pptx
+++ b/Homework/TermProject_MAE5803/Coon_MAE5803_TermProject_Presentation.pptx
@@ -120,7 +120,7 @@
   </p:defaultTextStyle>
   <p:extLst>
     <p:ext uri="{EFAFB233-063F-42B5-8137-9DF3F51BA10A}">
-      <p15:sldGuideLst xmlns:p15="http://schemas.microsoft.com/office/powerpoint/2012/main"/>
+      <p15:sldGuideLst xmlns:p15="http://schemas.microsoft.com/office/powerpoint/2012/main" xmlns=""/>
     </p:ext>
   </p:extLst>
 </p:presentation>
@@ -257,7 +257,7 @@
           <a:p>
             <a:fld id="{8FC00AEE-47FC-42EE-B4DA-677DEA4BE54E}" type="datetimeFigureOut">
               <a:rPr lang="en-US" smtClean="0"/>
-              <a:t>4/20/17</a:t>
+              <a:t>4/21/17</a:t>
             </a:fld>
             <a:endParaRPr lang="en-US"/>
           </a:p>
@@ -427,7 +427,7 @@
           <a:p>
             <a:fld id="{8FC00AEE-47FC-42EE-B4DA-677DEA4BE54E}" type="datetimeFigureOut">
               <a:rPr lang="en-US" smtClean="0"/>
-              <a:t>4/20/17</a:t>
+              <a:t>4/21/17</a:t>
             </a:fld>
             <a:endParaRPr lang="en-US"/>
           </a:p>
@@ -607,7 +607,7 @@
           <a:p>
             <a:fld id="{8FC00AEE-47FC-42EE-B4DA-677DEA4BE54E}" type="datetimeFigureOut">
               <a:rPr lang="en-US" smtClean="0"/>
-              <a:t>4/20/17</a:t>
+              <a:t>4/21/17</a:t>
             </a:fld>
             <a:endParaRPr lang="en-US"/>
           </a:p>
@@ -777,7 +777,7 @@
           <a:p>
             <a:fld id="{8FC00AEE-47FC-42EE-B4DA-677DEA4BE54E}" type="datetimeFigureOut">
               <a:rPr lang="en-US" smtClean="0"/>
-              <a:t>4/20/17</a:t>
+              <a:t>4/21/17</a:t>
             </a:fld>
             <a:endParaRPr lang="en-US"/>
           </a:p>
@@ -1023,7 +1023,7 @@
           <a:p>
             <a:fld id="{8FC00AEE-47FC-42EE-B4DA-677DEA4BE54E}" type="datetimeFigureOut">
               <a:rPr lang="en-US" smtClean="0"/>
-              <a:t>4/20/17</a:t>
+              <a:t>4/21/17</a:t>
             </a:fld>
             <a:endParaRPr lang="en-US"/>
           </a:p>
@@ -1255,7 +1255,7 @@
           <a:p>
             <a:fld id="{8FC00AEE-47FC-42EE-B4DA-677DEA4BE54E}" type="datetimeFigureOut">
               <a:rPr lang="en-US" smtClean="0"/>
-              <a:t>4/20/17</a:t>
+              <a:t>4/21/17</a:t>
             </a:fld>
             <a:endParaRPr lang="en-US"/>
           </a:p>
@@ -1622,7 +1622,7 @@
           <a:p>
             <a:fld id="{8FC00AEE-47FC-42EE-B4DA-677DEA4BE54E}" type="datetimeFigureOut">
               <a:rPr lang="en-US" smtClean="0"/>
-              <a:t>4/20/17</a:t>
+              <a:t>4/21/17</a:t>
             </a:fld>
             <a:endParaRPr lang="en-US"/>
           </a:p>
@@ -1740,7 +1740,7 @@
           <a:p>
             <a:fld id="{8FC00AEE-47FC-42EE-B4DA-677DEA4BE54E}" type="datetimeFigureOut">
               <a:rPr lang="en-US" smtClean="0"/>
-              <a:t>4/20/17</a:t>
+              <a:t>4/21/17</a:t>
             </a:fld>
             <a:endParaRPr lang="en-US"/>
           </a:p>
@@ -1835,7 +1835,7 @@
           <a:p>
             <a:fld id="{8FC00AEE-47FC-42EE-B4DA-677DEA4BE54E}" type="datetimeFigureOut">
               <a:rPr lang="en-US" smtClean="0"/>
-              <a:t>4/20/17</a:t>
+              <a:t>4/21/17</a:t>
             </a:fld>
             <a:endParaRPr lang="en-US"/>
           </a:p>
@@ -2112,7 +2112,7 @@
           <a:p>
             <a:fld id="{8FC00AEE-47FC-42EE-B4DA-677DEA4BE54E}" type="datetimeFigureOut">
               <a:rPr lang="en-US" smtClean="0"/>
-              <a:t>4/20/17</a:t>
+              <a:t>4/21/17</a:t>
             </a:fld>
             <a:endParaRPr lang="en-US"/>
           </a:p>
@@ -2365,7 +2365,7 @@
           <a:p>
             <a:fld id="{8FC00AEE-47FC-42EE-B4DA-677DEA4BE54E}" type="datetimeFigureOut">
               <a:rPr lang="en-US" smtClean="0"/>
-              <a:t>4/20/17</a:t>
+              <a:t>4/21/17</a:t>
             </a:fld>
             <a:endParaRPr lang="en-US"/>
           </a:p>
@@ -2578,7 +2578,7 @@
           <a:p>
             <a:fld id="{8FC00AEE-47FC-42EE-B4DA-677DEA4BE54E}" type="datetimeFigureOut">
               <a:rPr lang="en-US" smtClean="0"/>
-              <a:t>4/20/17</a:t>
+              <a:t>4/21/17</a:t>
             </a:fld>
             <a:endParaRPr lang="en-US"/>
           </a:p>
@@ -3051,6 +3051,13 @@
   <p:clrMapOvr>
     <a:masterClrMapping/>
   </p:clrMapOvr>
+  <p:timing>
+    <p:tnLst>
+      <p:par>
+        <p:cTn xmlns:p14="http://schemas.microsoft.com/office/powerpoint/2010/main" id="1" dur="indefinite" restart="never" nodeType="tmRoot"/>
+      </p:par>
+    </p:tnLst>
+  </p:timing>
 </p:sld>
 </file>
 
@@ -3118,9 +3125,8 @@
               </a:bodyPr>
               <a:lstStyle/>
               <a:p>
-                <a:pPr/>
                 <a14:m>
-                  <m:oMathPara xmlns:m="http://schemas.openxmlformats.org/officeDocument/2006/math">
+                  <m:oMathPara xmlns:m="http://schemas.openxmlformats.org/officeDocument/2006/math" xmlns="">
                     <m:oMathParaPr>
                       <m:jc m:val="centerGroup"/>
                     </m:oMathParaPr>
@@ -3481,7 +3487,7 @@
                   <a:buNone/>
                 </a:pPr>
                 <a14:m>
-                  <m:oMathPara xmlns:m="http://schemas.openxmlformats.org/officeDocument/2006/math">
+                  <m:oMathPara xmlns:m="http://schemas.openxmlformats.org/officeDocument/2006/math" xmlns="">
                     <m:oMathParaPr>
                       <m:jc m:val="centerGroup"/>
                     </m:oMathParaPr>
@@ -3565,7 +3571,7 @@
                   <a:buNone/>
                 </a:pPr>
                 <a14:m>
-                  <m:oMathPara xmlns:m="http://schemas.openxmlformats.org/officeDocument/2006/math">
+                  <m:oMathPara xmlns:m="http://schemas.openxmlformats.org/officeDocument/2006/math" xmlns="">
                     <m:oMathParaPr>
                       <m:jc m:val="centerGroup"/>
                     </m:oMathParaPr>
@@ -3997,7 +4003,7 @@
                   <a:buNone/>
                 </a:pPr>
                 <a14:m>
-                  <m:oMathPara xmlns:m="http://schemas.openxmlformats.org/officeDocument/2006/math">
+                  <m:oMathPara xmlns:m="http://schemas.openxmlformats.org/officeDocument/2006/math" xmlns="">
                     <m:oMathParaPr>
                       <m:jc m:val="centerGroup"/>
                     </m:oMathParaPr>
@@ -4167,7 +4173,7 @@
                   <a:buNone/>
                 </a:pPr>
                 <a14:m>
-                  <m:oMathPara xmlns:m="http://schemas.openxmlformats.org/officeDocument/2006/math">
+                  <m:oMathPara xmlns:m="http://schemas.openxmlformats.org/officeDocument/2006/math" xmlns="">
                     <m:oMathParaPr>
                       <m:jc m:val="centerGroup"/>
                     </m:oMathParaPr>
@@ -4419,7 +4425,7 @@
                   <a:t>In order to have </a:t>
                 </a:r>
                 <a14:m>
-                  <m:oMath xmlns:m="http://schemas.openxmlformats.org/officeDocument/2006/math">
+                  <m:oMath xmlns:m="http://schemas.openxmlformats.org/officeDocument/2006/math" xmlns="">
                     <m:acc>
                       <m:accPr>
                         <m:chr m:val="̇"/>
@@ -4511,9 +4517,8 @@
               </a:bodyPr>
               <a:lstStyle/>
               <a:p>
-                <a:pPr/>
                 <a14:m>
-                  <m:oMathPara xmlns:m="http://schemas.openxmlformats.org/officeDocument/2006/math">
+                  <m:oMathPara xmlns:m="http://schemas.openxmlformats.org/officeDocument/2006/math" xmlns="">
                     <m:oMathParaPr>
                       <m:jc m:val="centerGroup"/>
                     </m:oMathParaPr>
@@ -4666,9 +4671,8 @@
                 </a:endParaRPr>
               </a:p>
               <a:p>
-                <a:pPr/>
                 <a14:m>
-                  <m:oMathPara xmlns:m="http://schemas.openxmlformats.org/officeDocument/2006/math">
+                  <m:oMathPara xmlns:m="http://schemas.openxmlformats.org/officeDocument/2006/math" xmlns="">
                     <m:oMathParaPr>
                       <m:jc m:val="centerGroup"/>
                     </m:oMathParaPr>
@@ -4800,7 +4804,7 @@
                   <a:t>                </a:t>
                 </a:r>
                 <a14:m>
-                  <m:oMath xmlns:m="http://schemas.openxmlformats.org/officeDocument/2006/math">
+                  <m:oMath xmlns:m="http://schemas.openxmlformats.org/officeDocument/2006/math" xmlns="">
                     <m:r>
                       <a:rPr lang="en-US" sz="2400" b="0" i="1" smtClean="0">
                         <a:latin typeface="Cambria Math" panose="02040503050406030204" pitchFamily="18" charset="0"/>
@@ -4921,7 +4925,7 @@
                   <a:t>For </a:t>
                 </a:r>
                 <a14:m>
-                  <m:oMath xmlns:m="http://schemas.openxmlformats.org/officeDocument/2006/math">
+                  <m:oMath xmlns:m="http://schemas.openxmlformats.org/officeDocument/2006/math" xmlns="">
                     <m:acc>
                       <m:accPr>
                         <m:chr m:val="̇"/>
@@ -4963,9 +4967,8 @@
                 </a:endParaRPr>
               </a:p>
               <a:p>
-                <a:pPr/>
                 <a14:m>
-                  <m:oMathPara xmlns:m="http://schemas.openxmlformats.org/officeDocument/2006/math">
+                  <m:oMathPara xmlns:m="http://schemas.openxmlformats.org/officeDocument/2006/math" xmlns="">
                     <m:oMathParaPr>
                       <m:jc m:val="centerGroup"/>
                     </m:oMathParaPr>
@@ -5068,9 +5071,8 @@
                 </a:endParaRPr>
               </a:p>
               <a:p>
-                <a:pPr/>
                 <a14:m>
-                  <m:oMathPara xmlns:m="http://schemas.openxmlformats.org/officeDocument/2006/math">
+                  <m:oMathPara xmlns:m="http://schemas.openxmlformats.org/officeDocument/2006/math" xmlns="">
                     <m:oMathParaPr>
                       <m:jc m:val="centerGroup"/>
                     </m:oMathParaPr>
@@ -5271,9 +5273,8 @@
               </a:bodyPr>
               <a:lstStyle/>
               <a:p>
-                <a:pPr/>
                 <a14:m>
-                  <m:oMathPara xmlns:m="http://schemas.openxmlformats.org/officeDocument/2006/math">
+                  <m:oMathPara xmlns:m="http://schemas.openxmlformats.org/officeDocument/2006/math" xmlns="">
                     <m:oMathParaPr>
                       <m:jc m:val="centerGroup"/>
                     </m:oMathParaPr>
@@ -5396,9 +5397,8 @@
               </a:bodyPr>
               <a:lstStyle/>
               <a:p>
-                <a:pPr/>
                 <a14:m>
-                  <m:oMathPara xmlns:m="http://schemas.openxmlformats.org/officeDocument/2006/math">
+                  <m:oMathPara xmlns:m="http://schemas.openxmlformats.org/officeDocument/2006/math" xmlns="">
                     <m:oMathParaPr>
                       <m:jc m:val="centerGroup"/>
                     </m:oMathParaPr>
@@ -5668,9 +5668,8 @@
               </a:bodyPr>
               <a:lstStyle/>
               <a:p>
-                <a:pPr/>
                 <a14:m>
-                  <m:oMathPara xmlns:m="http://schemas.openxmlformats.org/officeDocument/2006/math">
+                  <m:oMathPara xmlns:m="http://schemas.openxmlformats.org/officeDocument/2006/math" xmlns="">
                     <m:oMathParaPr>
                       <m:jc m:val="centerGroup"/>
                     </m:oMathParaPr>
@@ -5789,9 +5788,8 @@
               </a:bodyPr>
               <a:lstStyle/>
               <a:p>
-                <a:pPr/>
                 <a14:m>
-                  <m:oMathPara xmlns:m="http://schemas.openxmlformats.org/officeDocument/2006/math">
+                  <m:oMathPara xmlns:m="http://schemas.openxmlformats.org/officeDocument/2006/math" xmlns="">
                     <m:oMathParaPr>
                       <m:jc m:val="centerGroup"/>
                     </m:oMathParaPr>
@@ -6285,9 +6283,16 @@
       <p:transition spd="slow" p14:dur="2000"/>
     </mc:Choice>
     <mc:Fallback>
-      <p:transition spd="slow"/>
+      <p:transition xmlns:p14="http://schemas.microsoft.com/office/powerpoint/2010/main" spd="slow"/>
     </mc:Fallback>
   </mc:AlternateContent>
+  <p:timing>
+    <p:tnLst>
+      <p:par>
+        <p:cTn xmlns:p14="http://schemas.microsoft.com/office/powerpoint/2010/main" id="1" dur="indefinite" restart="never" nodeType="tmRoot"/>
+      </p:par>
+    </p:tnLst>
+  </p:timing>
 </p:sld>
 </file>
 
@@ -6371,7 +6376,7 @@
         </p:blipFill>
         <p:spPr>
           <a:xfrm>
-            <a:off x="1170485" y="4695164"/>
+            <a:off x="1170485" y="4710844"/>
             <a:ext cx="4066286" cy="1966286"/>
           </a:xfrm>
           <a:prstGeom prst="rect">
@@ -6634,9 +6639,8 @@
               </a:bodyPr>
               <a:lstStyle/>
               <a:p>
-                <a:pPr/>
                 <a14:m>
-                  <m:oMathPara xmlns:m="http://schemas.openxmlformats.org/officeDocument/2006/math">
+                  <m:oMathPara xmlns:m="http://schemas.openxmlformats.org/officeDocument/2006/math" xmlns="">
                     <m:oMathParaPr>
                       <m:jc m:val="centerGroup"/>
                     </m:oMathParaPr>
@@ -6755,9 +6759,8 @@
               </a:bodyPr>
               <a:lstStyle/>
               <a:p>
-                <a:pPr/>
                 <a14:m>
-                  <m:oMathPara xmlns:m="http://schemas.openxmlformats.org/officeDocument/2006/math">
+                  <m:oMathPara xmlns:m="http://schemas.openxmlformats.org/officeDocument/2006/math" xmlns="">
                     <m:oMathParaPr>
                       <m:jc m:val="centerGroup"/>
                     </m:oMathParaPr>
@@ -6928,9 +6931,8 @@
               </a:bodyPr>
               <a:lstStyle/>
               <a:p>
-                <a:pPr/>
                 <a14:m>
-                  <m:oMathPara xmlns:m="http://schemas.openxmlformats.org/officeDocument/2006/math">
+                  <m:oMathPara xmlns:m="http://schemas.openxmlformats.org/officeDocument/2006/math" xmlns="">
                     <m:oMathParaPr>
                       <m:jc m:val="centerGroup"/>
                     </m:oMathParaPr>
@@ -7176,7 +7178,7 @@
               <a:lstStyle/>
               <a:p>
                 <a14:m>
-                  <m:oMath xmlns:m="http://schemas.openxmlformats.org/officeDocument/2006/math">
+                  <m:oMath xmlns:m="http://schemas.openxmlformats.org/officeDocument/2006/math" xmlns="">
                     <m:r>
                       <m:rPr>
                         <m:nor/>
@@ -7552,9 +7554,8 @@
               </a:bodyPr>
               <a:lstStyle/>
               <a:p>
-                <a:pPr/>
                 <a14:m>
-                  <m:oMathPara xmlns:m="http://schemas.openxmlformats.org/officeDocument/2006/math">
+                  <m:oMathPara xmlns:m="http://schemas.openxmlformats.org/officeDocument/2006/math" xmlns="">
                     <m:oMathParaPr>
                       <m:jc m:val="centerGroup"/>
                     </m:oMathParaPr>
@@ -7963,9 +7964,8 @@
               </a:bodyPr>
               <a:lstStyle/>
               <a:p>
-                <a:pPr/>
                 <a14:m>
-                  <m:oMathPara xmlns:m="http://schemas.openxmlformats.org/officeDocument/2006/math">
+                  <m:oMathPara xmlns:m="http://schemas.openxmlformats.org/officeDocument/2006/math" xmlns="">
                     <m:oMathParaPr>
                       <m:jc m:val="centerGroup"/>
                     </m:oMathParaPr>
@@ -8066,9 +8066,8 @@
               </a:bodyPr>
               <a:lstStyle/>
               <a:p>
-                <a:pPr/>
                 <a14:m>
-                  <m:oMathPara xmlns:m="http://schemas.openxmlformats.org/officeDocument/2006/math">
+                  <m:oMathPara xmlns:m="http://schemas.openxmlformats.org/officeDocument/2006/math" xmlns="">
                     <m:oMathParaPr>
                       <m:jc m:val="centerGroup"/>
                     </m:oMathParaPr>
@@ -8170,9 +8169,8 @@
               </a:bodyPr>
               <a:lstStyle/>
               <a:p>
-                <a:pPr/>
                 <a14:m>
-                  <m:oMathPara xmlns:m="http://schemas.openxmlformats.org/officeDocument/2006/math">
+                  <m:oMathPara xmlns:m="http://schemas.openxmlformats.org/officeDocument/2006/math" xmlns="">
                     <m:oMathParaPr>
                       <m:jc m:val="centerGroup"/>
                     </m:oMathParaPr>
@@ -8522,9 +8520,8 @@
               </a:bodyPr>
               <a:lstStyle/>
               <a:p>
-                <a:pPr/>
                 <a14:m>
-                  <m:oMathPara xmlns:m="http://schemas.openxmlformats.org/officeDocument/2006/math">
+                  <m:oMathPara xmlns:m="http://schemas.openxmlformats.org/officeDocument/2006/math" xmlns="">
                     <m:oMathParaPr>
                       <m:jc m:val="centerGroup"/>
                     </m:oMathParaPr>
@@ -9021,7 +9018,7 @@
     </a:clrScheme>
     <a:fontScheme name="Office">
       <a:majorFont>
-        <a:latin typeface="Calibri Light" panose="020F0302020204030204"/>
+        <a:latin typeface="Calibri Light"/>
         <a:ea typeface=""/>
         <a:cs typeface=""/>
         <a:font script="Jpan" typeface="ＭＳ Ｐゴシック"/>
@@ -9056,7 +9053,7 @@
         <a:font script="Geor" typeface="Sylfaen"/>
       </a:majorFont>
       <a:minorFont>
-        <a:latin typeface="Calibri" panose="020F0502020204030204"/>
+        <a:latin typeface="Calibri"/>
         <a:ea typeface=""/>
         <a:cs typeface=""/>
         <a:font script="Jpan" typeface="ＭＳ Ｐゴシック"/>
@@ -9233,7 +9230,7 @@
   <a:extraClrSchemeLst/>
   <a:extLst>
     <a:ext uri="{05A4C25C-085E-4340-85A3-A5531E510DB2}">
-      <thm15:themeFamily xmlns:thm15="http://schemas.microsoft.com/office/thememl/2012/main" name="Office Theme" id="{62F939B6-93AF-4DB8-9C6B-D6C7DFDC589F}" vid="{4A3C46E8-61CC-4603-A589-7422A47A8E4A}"/>
+      <thm15:themeFamily xmlns:thm15="http://schemas.microsoft.com/office/thememl/2012/main" xmlns="" name="Office Theme" id="{62F939B6-93AF-4DB8-9C6B-D6C7DFDC589F}" vid="{4A3C46E8-61CC-4603-A589-7422A47A8E4A}"/>
     </a:ext>
   </a:extLst>
 </a:theme>
